--- a/trunk/Steam_Web_API_Analysis.pptx
+++ b/trunk/Steam_Web_API_Analysis.pptx
@@ -6,9 +6,13 @@
   </p:sldMasterIdLst>
   <p:sldIdLst>
     <p:sldId id="256" r:id="rId2"/>
-    <p:sldId id="258" r:id="rId3"/>
-    <p:sldId id="257" r:id="rId4"/>
-    <p:sldId id="259" r:id="rId5"/>
+    <p:sldId id="260" r:id="rId3"/>
+    <p:sldId id="258" r:id="rId4"/>
+    <p:sldId id="257" r:id="rId5"/>
+    <p:sldId id="259" r:id="rId6"/>
+    <p:sldId id="261" r:id="rId7"/>
+    <p:sldId id="262" r:id="rId8"/>
+    <p:sldId id="263" r:id="rId9"/>
   </p:sldIdLst>
   <p:sldSz cx="9144000" cy="6858000" type="screen4x3"/>
   <p:notesSz cx="6858000" cy="9144000"/>
@@ -169,7 +173,7 @@
           <a:p>
             <a:fld id="{C17049F1-B039-4B3F-9073-EA8FBDC0C241}" type="datetimeFigureOut">
               <a:rPr lang="ko-KR" altLang="en-US" smtClean="0"/>
-              <a:t>2014-02-20</a:t>
+              <a:t>2014-02-22</a:t>
             </a:fld>
             <a:endParaRPr lang="ko-KR" altLang="en-US"/>
           </a:p>
@@ -485,7 +489,7 @@
           <a:p>
             <a:fld id="{C17049F1-B039-4B3F-9073-EA8FBDC0C241}" type="datetimeFigureOut">
               <a:rPr lang="ko-KR" altLang="en-US" smtClean="0"/>
-              <a:t>2014-02-20</a:t>
+              <a:t>2014-02-22</a:t>
             </a:fld>
             <a:endParaRPr lang="ko-KR" altLang="en-US"/>
           </a:p>
@@ -660,7 +664,7 @@
           <a:p>
             <a:fld id="{C17049F1-B039-4B3F-9073-EA8FBDC0C241}" type="datetimeFigureOut">
               <a:rPr lang="ko-KR" altLang="en-US" smtClean="0"/>
-              <a:t>2014-02-20</a:t>
+              <a:t>2014-02-22</a:t>
             </a:fld>
             <a:endParaRPr lang="ko-KR" altLang="en-US"/>
           </a:p>
@@ -778,7 +782,7 @@
           <a:p>
             <a:fld id="{C17049F1-B039-4B3F-9073-EA8FBDC0C241}" type="datetimeFigureOut">
               <a:rPr lang="ko-KR" altLang="en-US" smtClean="0"/>
-              <a:t>2014-02-20</a:t>
+              <a:t>2014-02-22</a:t>
             </a:fld>
             <a:endParaRPr lang="ko-KR" altLang="en-US"/>
           </a:p>
@@ -1076,7 +1080,7 @@
           <a:p>
             <a:fld id="{C17049F1-B039-4B3F-9073-EA8FBDC0C241}" type="datetimeFigureOut">
               <a:rPr lang="ko-KR" altLang="en-US" smtClean="0"/>
-              <a:t>2014-02-20</a:t>
+              <a:t>2014-02-22</a:t>
             </a:fld>
             <a:endParaRPr lang="ko-KR" altLang="en-US"/>
           </a:p>
@@ -1369,7 +1373,7 @@
           <a:p>
             <a:fld id="{C17049F1-B039-4B3F-9073-EA8FBDC0C241}" type="datetimeFigureOut">
               <a:rPr lang="ko-KR" altLang="en-US" smtClean="0"/>
-              <a:t>2014-02-20</a:t>
+              <a:t>2014-02-22</a:t>
             </a:fld>
             <a:endParaRPr lang="ko-KR" altLang="en-US"/>
           </a:p>
@@ -1797,7 +1801,7 @@
           <a:p>
             <a:fld id="{C17049F1-B039-4B3F-9073-EA8FBDC0C241}" type="datetimeFigureOut">
               <a:rPr lang="ko-KR" altLang="en-US" smtClean="0"/>
-              <a:t>2014-02-20</a:t>
+              <a:t>2014-02-22</a:t>
             </a:fld>
             <a:endParaRPr lang="ko-KR" altLang="en-US"/>
           </a:p>
@@ -1915,7 +1919,7 @@
           <a:p>
             <a:fld id="{C17049F1-B039-4B3F-9073-EA8FBDC0C241}" type="datetimeFigureOut">
               <a:rPr lang="ko-KR" altLang="en-US" smtClean="0"/>
-              <a:t>2014-02-20</a:t>
+              <a:t>2014-02-22</a:t>
             </a:fld>
             <a:endParaRPr lang="ko-KR" altLang="en-US"/>
           </a:p>
@@ -2005,7 +2009,7 @@
           <a:p>
             <a:fld id="{C17049F1-B039-4B3F-9073-EA8FBDC0C241}" type="datetimeFigureOut">
               <a:rPr lang="ko-KR" altLang="en-US" smtClean="0"/>
-              <a:t>2014-02-20</a:t>
+              <a:t>2014-02-22</a:t>
             </a:fld>
             <a:endParaRPr lang="ko-KR" altLang="en-US"/>
           </a:p>
@@ -2255,7 +2259,7 @@
           <a:p>
             <a:fld id="{C17049F1-B039-4B3F-9073-EA8FBDC0C241}" type="datetimeFigureOut">
               <a:rPr lang="ko-KR" altLang="en-US" smtClean="0"/>
-              <a:t>2014-02-20</a:t>
+              <a:t>2014-02-22</a:t>
             </a:fld>
             <a:endParaRPr lang="ko-KR" altLang="en-US"/>
           </a:p>
@@ -2771,7 +2775,7 @@
           <a:p>
             <a:fld id="{C17049F1-B039-4B3F-9073-EA8FBDC0C241}" type="datetimeFigureOut">
               <a:rPr lang="ko-KR" altLang="en-US" smtClean="0"/>
-              <a:t>2014-02-20</a:t>
+              <a:t>2014-02-22</a:t>
             </a:fld>
             <a:endParaRPr lang="ko-KR" altLang="en-US"/>
           </a:p>
@@ -3001,7 +3005,7 @@
           <a:p>
             <a:fld id="{C17049F1-B039-4B3F-9073-EA8FBDC0C241}" type="datetimeFigureOut">
               <a:rPr lang="ko-KR" altLang="en-US" smtClean="0"/>
-              <a:t>2014-02-20</a:t>
+              <a:t>2014-02-22</a:t>
             </a:fld>
             <a:endParaRPr lang="ko-KR" altLang="en-US"/>
           </a:p>
@@ -3519,6 +3523,13 @@
           <a:bodyPr/>
           <a:lstStyle/>
           <a:p>
+            <a:r>
+              <a:rPr lang="en-US" altLang="ko-KR" smtClean="0">
+                <a:latin typeface="나눔바른고딕" pitchFamily="50" charset="-127"/>
+                <a:ea typeface="나눔바른고딕" pitchFamily="50" charset="-127"/>
+              </a:rPr>
+              <a:t>Web API</a:t>
+            </a:r>
             <a:endParaRPr lang="ko-KR" altLang="en-US">
               <a:latin typeface="나눔바른고딕" pitchFamily="50" charset="-127"/>
               <a:ea typeface="나눔바른고딕" pitchFamily="50" charset="-127"/>
@@ -3609,6 +3620,181 @@
           <a:p>
             <a:r>
               <a:rPr lang="en-US" altLang="ko-KR" smtClean="0"/>
+              <a:t>contents</a:t>
+            </a:r>
+            <a:endParaRPr lang="ko-KR" altLang="en-US"/>
+          </a:p>
+        </p:txBody>
+      </p:sp>
+      <p:sp>
+        <p:nvSpPr>
+          <p:cNvPr id="3" name="내용 개체 틀 2"/>
+          <p:cNvSpPr>
+            <a:spLocks noGrp="1"/>
+          </p:cNvSpPr>
+          <p:nvPr>
+            <p:ph sz="quarter" idx="13"/>
+          </p:nvPr>
+        </p:nvSpPr>
+        <p:spPr/>
+        <p:txBody>
+          <a:bodyPr>
+            <a:normAutofit lnSpcReduction="10000"/>
+          </a:bodyPr>
+          <a:lstStyle/>
+          <a:p>
+            <a:r>
+              <a:rPr lang="en-US" altLang="ko-KR" b="1" smtClean="0"/>
+              <a:t>FORMAT</a:t>
+            </a:r>
+          </a:p>
+          <a:p>
+            <a:r>
+              <a:rPr lang="en-US" altLang="ko-KR" b="1" smtClean="0"/>
+              <a:t>Interfaces and method</a:t>
+            </a:r>
+            <a:endParaRPr lang="en-US" altLang="ko-KR" b="1"/>
+          </a:p>
+          <a:p>
+            <a:pPr>
+              <a:buFontTx/>
+              <a:buChar char="-"/>
+            </a:pPr>
+            <a:r>
+              <a:rPr lang="en-US" altLang="ko-KR" smtClean="0"/>
+              <a:t>GetNewsForApp</a:t>
+            </a:r>
+          </a:p>
+          <a:p>
+            <a:pPr>
+              <a:buFontTx/>
+              <a:buChar char="-"/>
+            </a:pPr>
+            <a:r>
+              <a:rPr lang="en-US" altLang="ko-KR" smtClean="0"/>
+              <a:t>GetGlobalAchievementPercentagesForApp</a:t>
+            </a:r>
+          </a:p>
+          <a:p>
+            <a:pPr>
+              <a:buFontTx/>
+              <a:buChar char="-"/>
+            </a:pPr>
+            <a:r>
+              <a:rPr lang="en-US" altLang="ko-KR" smtClean="0"/>
+              <a:t>GetPlayerSummaries</a:t>
+            </a:r>
+          </a:p>
+          <a:p>
+            <a:pPr>
+              <a:buFontTx/>
+              <a:buChar char="-"/>
+            </a:pPr>
+            <a:r>
+              <a:rPr lang="en-US" altLang="ko-KR" smtClean="0"/>
+              <a:t>GetFriendList</a:t>
+            </a:r>
+          </a:p>
+          <a:p>
+            <a:pPr>
+              <a:buFontTx/>
+              <a:buChar char="-"/>
+            </a:pPr>
+            <a:r>
+              <a:rPr lang="en-US" altLang="ko-KR" smtClean="0"/>
+              <a:t>GetPlayerAchievements</a:t>
+            </a:r>
+          </a:p>
+          <a:p>
+            <a:pPr>
+              <a:buFontTx/>
+              <a:buChar char="-"/>
+            </a:pPr>
+            <a:r>
+              <a:rPr lang="en-US" altLang="ko-KR" smtClean="0"/>
+              <a:t>GetUserStatsForGame</a:t>
+            </a:r>
+          </a:p>
+          <a:p>
+            <a:pPr>
+              <a:buFontTx/>
+              <a:buChar char="-"/>
+            </a:pPr>
+            <a:r>
+              <a:rPr lang="en-US" altLang="ko-KR" smtClean="0"/>
+              <a:t>GetOwnedGames</a:t>
+            </a:r>
+          </a:p>
+          <a:p>
+            <a:pPr>
+              <a:buFontTx/>
+              <a:buChar char="-"/>
+            </a:pPr>
+            <a:r>
+              <a:rPr lang="en-US" altLang="ko-KR" smtClean="0"/>
+              <a:t>GetRecentlyPlayedGames</a:t>
+            </a:r>
+          </a:p>
+          <a:p>
+            <a:pPr>
+              <a:buFontTx/>
+              <a:buChar char="-"/>
+            </a:pPr>
+            <a:r>
+              <a:rPr lang="en-US" altLang="ko-KR" smtClean="0"/>
+              <a:t>IsPlayingSharedGame</a:t>
+            </a:r>
+            <a:endParaRPr lang="en-US" altLang="ko-KR" smtClean="0"/>
+          </a:p>
+        </p:txBody>
+      </p:sp>
+    </p:spTree>
+    <p:extLst>
+      <p:ext uri="{BB962C8B-B14F-4D97-AF65-F5344CB8AC3E}">
+        <p14:creationId xmlns:p14="http://schemas.microsoft.com/office/powerpoint/2010/main" val="2423103419"/>
+      </p:ext>
+    </p:extLst>
+  </p:cSld>
+  <p:clrMapOvr>
+    <a:masterClrMapping/>
+  </p:clrMapOvr>
+</p:sld>
+</file>
+
+<file path=ppt/slides/slide3.xml><?xml version="1.0" encoding="utf-8"?>
+<p:sld xmlns:a="http://schemas.openxmlformats.org/drawingml/2006/main" xmlns:r="http://schemas.openxmlformats.org/officeDocument/2006/relationships" xmlns:p="http://schemas.openxmlformats.org/presentationml/2006/main">
+  <p:cSld>
+    <p:spTree>
+      <p:nvGrpSpPr>
+        <p:cNvPr id="1" name=""/>
+        <p:cNvGrpSpPr/>
+        <p:nvPr/>
+      </p:nvGrpSpPr>
+      <p:grpSpPr>
+        <a:xfrm>
+          <a:off x="0" y="0"/>
+          <a:ext cx="0" cy="0"/>
+          <a:chOff x="0" y="0"/>
+          <a:chExt cx="0" cy="0"/>
+        </a:xfrm>
+      </p:grpSpPr>
+      <p:sp>
+        <p:nvSpPr>
+          <p:cNvPr id="2" name="제목 1"/>
+          <p:cNvSpPr>
+            <a:spLocks noGrp="1"/>
+          </p:cNvSpPr>
+          <p:nvPr>
+            <p:ph type="title"/>
+          </p:nvPr>
+        </p:nvSpPr>
+        <p:spPr/>
+        <p:txBody>
+          <a:bodyPr/>
+          <a:lstStyle/>
+          <a:p>
+            <a:r>
+              <a:rPr lang="en-US" altLang="ko-KR" smtClean="0"/>
               <a:t>formats</a:t>
             </a:r>
             <a:endParaRPr lang="ko-KR" altLang="en-US"/>
@@ -3694,7 +3880,7 @@
 </p:sld>
 </file>
 
-<file path=ppt/slides/slide3.xml><?xml version="1.0" encoding="utf-8"?>
+<file path=ppt/slides/slide4.xml><?xml version="1.0" encoding="utf-8"?>
 <p:sld xmlns:a="http://schemas.openxmlformats.org/drawingml/2006/main" xmlns:r="http://schemas.openxmlformats.org/officeDocument/2006/relationships" xmlns:p="http://schemas.openxmlformats.org/presentationml/2006/main">
   <p:cSld>
     <p:spTree>
@@ -3973,7 +4159,7 @@
 </p:sld>
 </file>
 
-<file path=ppt/slides/slide4.xml><?xml version="1.0" encoding="utf-8"?>
+<file path=ppt/slides/slide5.xml><?xml version="1.0" encoding="utf-8"?>
 <p:sld xmlns:a="http://schemas.openxmlformats.org/drawingml/2006/main" xmlns:r="http://schemas.openxmlformats.org/officeDocument/2006/relationships" xmlns:p="http://schemas.openxmlformats.org/presentationml/2006/main">
   <p:cSld>
     <p:spTree>
@@ -4028,16 +4214,303 @@
           <a:bodyPr/>
           <a:lstStyle/>
           <a:p>
-            <a:r>
-              <a:rPr lang="en-US" altLang="ko-KR" b="1"/>
-              <a:t>GetNewsForApp </a:t>
+            <a:pPr>
+              <a:buFontTx/>
+              <a:buChar char="-"/>
+            </a:pPr>
+            <a:r>
+              <a:rPr lang="en-US" altLang="ko-KR"/>
+              <a:t>GetPlayerSummaries</a:t>
+            </a:r>
+          </a:p>
+        </p:txBody>
+      </p:sp>
+      <p:graphicFrame>
+        <p:nvGraphicFramePr>
+          <p:cNvPr id="16" name="표 15"/>
+          <p:cNvGraphicFramePr>
+            <a:graphicFrameLocks noGrp="1"/>
+          </p:cNvGraphicFramePr>
+          <p:nvPr>
+            <p:extLst>
+              <p:ext uri="{D42A27DB-BD31-4B8C-83A1-F6EECF244321}">
+                <p14:modId xmlns:p14="http://schemas.microsoft.com/office/powerpoint/2010/main" val="3247555727"/>
+              </p:ext>
+            </p:extLst>
+          </p:nvPr>
+        </p:nvGraphicFramePr>
+        <p:xfrm>
+          <a:off x="683568" y="2204864"/>
+          <a:ext cx="7798129" cy="2656840"/>
+        </p:xfrm>
+        <a:graphic>
+          <a:graphicData uri="http://schemas.openxmlformats.org/drawingml/2006/table">
+            <a:tbl>
+              <a:tblPr firstCol="1" bandRow="1">
+                <a:tableStyleId>{F5AB1C69-6EDB-4FF4-983F-18BD219EF322}</a:tableStyleId>
+              </a:tblPr>
+              <a:tblGrid>
+                <a:gridCol w="1473826"/>
+                <a:gridCol w="6324303"/>
+              </a:tblGrid>
+              <a:tr h="370840">
+                <a:tc>
+                  <a:txBody>
+                    <a:bodyPr/>
+                    <a:lstStyle/>
+                    <a:p>
+                      <a:pPr latinLnBrk="1"/>
+                      <a:r>
+                        <a:rPr lang="en-US" altLang="ko-KR" smtClean="0"/>
+                        <a:t>Param</a:t>
+                      </a:r>
+                      <a:endParaRPr lang="ko-KR" altLang="en-US"/>
+                    </a:p>
+                  </a:txBody>
+                  <a:tcPr/>
+                </a:tc>
+                <a:tc>
+                  <a:txBody>
+                    <a:bodyPr/>
+                    <a:lstStyle/>
+                    <a:p>
+                      <a:pPr latinLnBrk="1"/>
+                      <a:r>
+                        <a:rPr lang="en-US" altLang="ko-KR" smtClean="0"/>
+                        <a:t>SID</a:t>
+                      </a:r>
+                      <a:endParaRPr lang="ko-KR" altLang="en-US"/>
+                    </a:p>
+                  </a:txBody>
+                  <a:tcPr/>
+                </a:tc>
+              </a:tr>
+              <a:tr h="370840">
+                <a:tc>
+                  <a:txBody>
+                    <a:bodyPr/>
+                    <a:lstStyle/>
+                    <a:p>
+                      <a:pPr latinLnBrk="1"/>
+                      <a:r>
+                        <a:rPr lang="en-US" altLang="ko-KR" smtClean="0"/>
+                        <a:t>return</a:t>
+                      </a:r>
+                      <a:endParaRPr lang="ko-KR" altLang="en-US"/>
+                    </a:p>
+                  </a:txBody>
+                  <a:tcPr/>
+                </a:tc>
+                <a:tc>
+                  <a:txBody>
+                    <a:bodyPr/>
+                    <a:lstStyle/>
+                    <a:p>
+                      <a:pPr latinLnBrk="1"/>
+                      <a:r>
+                        <a:rPr lang="en-US" altLang="ko-KR" smtClean="0"/>
+                        <a:t>SID, name,</a:t>
+                      </a:r>
+                      <a:r>
+                        <a:rPr lang="en-US" altLang="ko-KR" baseline="0" smtClean="0"/>
+                        <a:t> profileurl, avatar(32x32, 64x64, 184x184)</a:t>
+                      </a:r>
+                    </a:p>
+                    <a:p>
+                      <a:pPr latinLnBrk="1"/>
+                      <a:r>
+                        <a:rPr lang="en-US" altLang="ko-KR" baseline="0" smtClean="0"/>
+                        <a:t>,</a:t>
+                      </a:r>
+                      <a:r>
+                        <a:rPr lang="ko-KR" altLang="en-US" baseline="0" smtClean="0"/>
+                        <a:t>상태</a:t>
+                      </a:r>
+                      <a:r>
+                        <a:rPr lang="en-US" altLang="ko-KR" baseline="0" smtClean="0"/>
+                        <a:t>(offline,online,busy,away,snooze,trade,play)</a:t>
+                      </a:r>
+                    </a:p>
+                    <a:p>
+                      <a:pPr latinLnBrk="1"/>
+                      <a:r>
+                        <a:rPr lang="ko-KR" altLang="en-US" smtClean="0"/>
+                        <a:t>커뮤니티공개상태</a:t>
+                      </a:r>
+                      <a:r>
+                        <a:rPr lang="en-US" altLang="ko-KR" smtClean="0"/>
+                        <a:t>(on,off), </a:t>
+                      </a:r>
+                      <a:r>
+                        <a:rPr lang="ko-KR" altLang="en-US" smtClean="0"/>
+                        <a:t>프로필공개상태</a:t>
+                      </a:r>
+                      <a:r>
+                        <a:rPr lang="en-US" altLang="ko-KR" smtClean="0"/>
+                        <a:t>(on,off)</a:t>
+                      </a:r>
+                    </a:p>
+                    <a:p>
+                      <a:pPr latinLnBrk="1"/>
+                      <a:r>
+                        <a:rPr lang="en-US" altLang="ko-KR" smtClean="0"/>
+                        <a:t>,</a:t>
+                      </a:r>
+                      <a:r>
+                        <a:rPr lang="ko-KR" altLang="en-US" smtClean="0"/>
+                        <a:t>마지막 로그인 시점</a:t>
+                      </a:r>
+                      <a:endParaRPr lang="en-US" altLang="ko-KR" smtClean="0"/>
+                    </a:p>
+                    <a:p>
+                      <a:pPr latinLnBrk="1"/>
+                      <a:r>
+                        <a:rPr lang="en-US" altLang="ko-KR" smtClean="0"/>
+                        <a:t>,</a:t>
+                      </a:r>
+                      <a:r>
+                        <a:rPr lang="en-US" altLang="ko-KR" baseline="0" smtClean="0"/>
+                        <a:t> </a:t>
+                      </a:r>
+                      <a:r>
+                        <a:rPr lang="ko-KR" altLang="en-US" baseline="0" smtClean="0"/>
+                        <a:t>실제이름</a:t>
+                      </a:r>
+                      <a:r>
+                        <a:rPr lang="en-US" altLang="ko-KR" baseline="0" smtClean="0"/>
+                        <a:t>, </a:t>
+                      </a:r>
+                      <a:r>
+                        <a:rPr lang="ko-KR" altLang="en-US" baseline="0" smtClean="0"/>
+                        <a:t>주소</a:t>
+                      </a:r>
+                      <a:endParaRPr lang="en-US" altLang="ko-KR" baseline="0" smtClean="0"/>
+                    </a:p>
+                    <a:p>
+                      <a:pPr latinLnBrk="1"/>
+                      <a:endParaRPr lang="en-US" altLang="ko-KR" baseline="0" smtClean="0"/>
+                    </a:p>
+                    <a:p>
+                      <a:pPr latinLnBrk="1"/>
+                      <a:r>
+                        <a:rPr lang="ko-KR" altLang="en-US" baseline="0" smtClean="0"/>
+                        <a:t>게임중일경우현재플레이중인게임이름</a:t>
+                      </a:r>
+                      <a:r>
+                        <a:rPr lang="en-US" altLang="ko-KR" baseline="0" smtClean="0"/>
+                        <a:t>,</a:t>
+                      </a:r>
+                    </a:p>
+                    <a:p>
+                      <a:pPr latinLnBrk="1"/>
+                      <a:r>
+                        <a:rPr lang="ko-KR" altLang="en-US" baseline="0" smtClean="0"/>
+                        <a:t>게임서버</a:t>
+                      </a:r>
+                      <a:r>
+                        <a:rPr lang="en-US" altLang="ko-KR" baseline="0" smtClean="0"/>
+                        <a:t>IP, </a:t>
+                      </a:r>
+                      <a:r>
+                        <a:rPr lang="ko-KR" altLang="en-US" baseline="0" smtClean="0"/>
+                        <a:t>게임서버</a:t>
+                      </a:r>
+                      <a:r>
+                        <a:rPr lang="en-US" altLang="ko-KR" baseline="0" smtClean="0"/>
+                        <a:t>port</a:t>
+                      </a:r>
+                      <a:endParaRPr lang="en-US" altLang="ko-KR" smtClean="0"/>
+                    </a:p>
+                  </a:txBody>
+                  <a:tcPr/>
+                </a:tc>
+              </a:tr>
+            </a:tbl>
+          </a:graphicData>
+        </a:graphic>
+      </p:graphicFrame>
+    </p:spTree>
+    <p:extLst>
+      <p:ext uri="{BB962C8B-B14F-4D97-AF65-F5344CB8AC3E}">
+        <p14:creationId xmlns:p14="http://schemas.microsoft.com/office/powerpoint/2010/main" val="3795765754"/>
+      </p:ext>
+    </p:extLst>
+  </p:cSld>
+  <p:clrMapOvr>
+    <a:masterClrMapping/>
+  </p:clrMapOvr>
+</p:sld>
+</file>
+
+<file path=ppt/slides/slide6.xml><?xml version="1.0" encoding="utf-8"?>
+<p:sld xmlns:a="http://schemas.openxmlformats.org/drawingml/2006/main" xmlns:r="http://schemas.openxmlformats.org/officeDocument/2006/relationships" xmlns:p="http://schemas.openxmlformats.org/presentationml/2006/main">
+  <p:cSld>
+    <p:spTree>
+      <p:nvGrpSpPr>
+        <p:cNvPr id="1" name=""/>
+        <p:cNvGrpSpPr/>
+        <p:nvPr/>
+      </p:nvGrpSpPr>
+      <p:grpSpPr>
+        <a:xfrm>
+          <a:off x="0" y="0"/>
+          <a:ext cx="0" cy="0"/>
+          <a:chOff x="0" y="0"/>
+          <a:chExt cx="0" cy="0"/>
+        </a:xfrm>
+      </p:grpSpPr>
+      <p:sp>
+        <p:nvSpPr>
+          <p:cNvPr id="2" name="제목 1"/>
+          <p:cNvSpPr>
+            <a:spLocks noGrp="1"/>
+          </p:cNvSpPr>
+          <p:nvPr>
+            <p:ph type="title"/>
+          </p:nvPr>
+        </p:nvSpPr>
+        <p:spPr/>
+        <p:txBody>
+          <a:bodyPr/>
+          <a:lstStyle/>
+          <a:p>
+            <a:r>
+              <a:rPr lang="en-US" altLang="ko-KR" smtClean="0"/>
+              <a:t>Api (2)</a:t>
+            </a:r>
+            <a:endParaRPr lang="ko-KR" altLang="en-US"/>
+          </a:p>
+        </p:txBody>
+      </p:sp>
+      <p:sp>
+        <p:nvSpPr>
+          <p:cNvPr id="3" name="내용 개체 틀 2"/>
+          <p:cNvSpPr>
+            <a:spLocks noGrp="1"/>
+          </p:cNvSpPr>
+          <p:nvPr>
+            <p:ph sz="quarter" idx="13"/>
+          </p:nvPr>
+        </p:nvSpPr>
+        <p:spPr/>
+        <p:txBody>
+          <a:bodyPr/>
+          <a:lstStyle/>
+          <a:p>
+            <a:pPr>
+              <a:buFontTx/>
+              <a:buChar char="-"/>
+            </a:pPr>
+            <a:r>
+              <a:rPr lang="en-US" altLang="ko-KR"/>
+              <a:t>GetPlayerSummaries</a:t>
             </a:r>
           </a:p>
         </p:txBody>
       </p:sp>
       <p:pic>
         <p:nvPicPr>
-          <p:cNvPr id="2050" name="Picture 2" descr="C:\Users\Mark\Pictures\Image_2014_02_20_10_10_51_13.png"/>
+          <p:cNvPr id="1026" name="Picture 2" descr="C:\Users\MarkHome\Pictures\Image_2014_02_22_14_50_04_001.png"/>
           <p:cNvPicPr>
             <a:picLocks noChangeAspect="1" noChangeArrowheads="1"/>
           </p:cNvPicPr>
@@ -4058,8 +4531,8 @@
         </p:blipFill>
         <p:spPr bwMode="auto">
           <a:xfrm>
-            <a:off x="611560" y="3573016"/>
-            <a:ext cx="3343275" cy="866775"/>
+            <a:off x="547192" y="2060847"/>
+            <a:ext cx="5248944" cy="4529331"/>
           </a:xfrm>
           <a:prstGeom prst="rect">
             <a:avLst/>
@@ -4078,60 +4551,117 @@
       </p:pic>
       <p:sp>
         <p:nvSpPr>
-          <p:cNvPr id="13" name="TextBox 12"/>
-          <p:cNvSpPr txBox="1"/>
+          <p:cNvPr id="4" name="직사각형 3">
+            <a:hlinkClick r:id="rId3"/>
+          </p:cNvPr>
+          <p:cNvSpPr/>
           <p:nvPr/>
         </p:nvSpPr>
         <p:spPr>
           <a:xfrm>
-            <a:off x="590295" y="4439791"/>
-            <a:ext cx="3364540" cy="769441"/>
+            <a:off x="4500736" y="188640"/>
+            <a:ext cx="4572000" cy="646331"/>
           </a:xfrm>
           <a:prstGeom prst="rect">
             <a:avLst/>
           </a:prstGeom>
-          <a:noFill/>
         </p:spPr>
         <p:txBody>
-          <a:bodyPr wrap="square" rtlCol="0">
+          <a:bodyPr>
             <a:spAutoFit/>
           </a:bodyPr>
           <a:lstStyle/>
           <a:p>
-            <a:pPr marL="228600" indent="-228600">
-              <a:buFont typeface="Arial" pitchFamily="34" charset="0"/>
-              <a:buChar char="•"/>
+            <a:r>
+              <a:rPr lang="en-US" altLang="ko-KR" sz="1200">
+                <a:hlinkClick r:id="rId3"/>
+              </a:rPr>
+              <a:t>http://api.steampowered.com/ISteamUser/GetPlayerSummaries/v0002/?key=DE028A2732887BCDB1CCE803B9A1A24D&amp;steamids=76561198013979478&amp;format=xml</a:t>
+            </a:r>
+            <a:endParaRPr lang="ko-KR" altLang="en-US" sz="1200"/>
+          </a:p>
+        </p:txBody>
+      </p:sp>
+    </p:spTree>
+    <p:extLst>
+      <p:ext uri="{BB962C8B-B14F-4D97-AF65-F5344CB8AC3E}">
+        <p14:creationId xmlns:p14="http://schemas.microsoft.com/office/powerpoint/2010/main" val="349718792"/>
+      </p:ext>
+    </p:extLst>
+  </p:cSld>
+  <p:clrMapOvr>
+    <a:masterClrMapping/>
+  </p:clrMapOvr>
+</p:sld>
+</file>
+
+<file path=ppt/slides/slide7.xml><?xml version="1.0" encoding="utf-8"?>
+<p:sld xmlns:a="http://schemas.openxmlformats.org/drawingml/2006/main" xmlns:r="http://schemas.openxmlformats.org/officeDocument/2006/relationships" xmlns:p="http://schemas.openxmlformats.org/presentationml/2006/main">
+  <p:cSld>
+    <p:spTree>
+      <p:nvGrpSpPr>
+        <p:cNvPr id="1" name=""/>
+        <p:cNvGrpSpPr/>
+        <p:nvPr/>
+      </p:nvGrpSpPr>
+      <p:grpSpPr>
+        <a:xfrm>
+          <a:off x="0" y="0"/>
+          <a:ext cx="0" cy="0"/>
+          <a:chOff x="0" y="0"/>
+          <a:chExt cx="0" cy="0"/>
+        </a:xfrm>
+      </p:grpSpPr>
+      <p:sp>
+        <p:nvSpPr>
+          <p:cNvPr id="2" name="제목 1"/>
+          <p:cNvSpPr>
+            <a:spLocks noGrp="1"/>
+          </p:cNvSpPr>
+          <p:nvPr>
+            <p:ph type="title"/>
+          </p:nvPr>
+        </p:nvSpPr>
+        <p:spPr/>
+        <p:txBody>
+          <a:bodyPr/>
+          <a:lstStyle/>
+          <a:p>
+            <a:r>
+              <a:rPr lang="en-US" altLang="ko-KR" smtClean="0"/>
+              <a:t>Api </a:t>
+            </a:r>
+            <a:r>
+              <a:rPr lang="en-US" altLang="ko-KR" smtClean="0"/>
+              <a:t>(3)</a:t>
+            </a:r>
+            <a:endParaRPr lang="ko-KR" altLang="en-US"/>
+          </a:p>
+        </p:txBody>
+      </p:sp>
+      <p:sp>
+        <p:nvSpPr>
+          <p:cNvPr id="3" name="내용 개체 틀 2"/>
+          <p:cNvSpPr>
+            <a:spLocks noGrp="1"/>
+          </p:cNvSpPr>
+          <p:nvPr>
+            <p:ph sz="quarter" idx="13"/>
+          </p:nvPr>
+        </p:nvSpPr>
+        <p:spPr/>
+        <p:txBody>
+          <a:bodyPr/>
+          <a:lstStyle/>
+          <a:p>
+            <a:pPr>
+              <a:buFontTx/>
+              <a:buChar char="-"/>
             </a:pPr>
             <a:r>
-              <a:rPr lang="en-US" altLang="ko-KR" sz="1100" smtClean="0"/>
-              <a:t>Name : </a:t>
-            </a:r>
-            <a:r>
-              <a:rPr lang="ko-KR" altLang="en-US" sz="1100" smtClean="0"/>
-              <a:t>업적이름</a:t>
-            </a:r>
-            <a:endParaRPr lang="en-US" altLang="ko-KR" sz="1100" smtClean="0"/>
-          </a:p>
-          <a:p>
-            <a:pPr marL="228600" indent="-228600">
-              <a:buFont typeface="Arial" pitchFamily="34" charset="0"/>
-              <a:buChar char="•"/>
-            </a:pPr>
-            <a:r>
-              <a:rPr lang="en-US" altLang="ko-KR" sz="1100" smtClean="0"/>
-              <a:t>Percent : </a:t>
-            </a:r>
-            <a:r>
-              <a:rPr lang="ko-KR" altLang="en-US" sz="1100" smtClean="0"/>
-              <a:t>이 게임을 가지고 있는 모든 사람들 중 이 업적을 클리어한  비율</a:t>
-            </a:r>
-          </a:p>
-          <a:p>
-            <a:pPr marL="228600" indent="-228600">
-              <a:buFont typeface="Arial" pitchFamily="34" charset="0"/>
-              <a:buChar char="•"/>
-            </a:pPr>
-            <a:endParaRPr lang="ko-KR" altLang="en-US" sz="1100"/>
+              <a:rPr lang="en-US" altLang="ko-KR"/>
+              <a:t>GetFriendList</a:t>
+            </a:r>
           </a:p>
         </p:txBody>
       </p:sp>
@@ -4144,13 +4674,13 @@
           <p:nvPr>
             <p:extLst>
               <p:ext uri="{D42A27DB-BD31-4B8C-83A1-F6EECF244321}">
-                <p14:modId xmlns:p14="http://schemas.microsoft.com/office/powerpoint/2010/main" val="37896879"/>
+                <p14:modId xmlns:p14="http://schemas.microsoft.com/office/powerpoint/2010/main" val="141144705"/>
               </p:ext>
             </p:extLst>
           </p:nvPr>
         </p:nvGraphicFramePr>
         <p:xfrm>
-          <a:off x="590294" y="2276872"/>
+          <a:off x="683568" y="2204864"/>
           <a:ext cx="7798129" cy="741680"/>
         </p:xfrm>
         <a:graphic>
@@ -4187,7 +4717,11 @@
                       <a:pPr latinLnBrk="1"/>
                       <a:r>
                         <a:rPr lang="en-US" altLang="ko-KR" smtClean="0"/>
-                        <a:t>AID</a:t>
+                        <a:t>SID, Relationship</a:t>
+                      </a:r>
+                      <a:r>
+                        <a:rPr lang="en-US" altLang="ko-KR" baseline="0" smtClean="0"/>
+                        <a:t> (all, friend)</a:t>
                       </a:r>
                       <a:endParaRPr lang="ko-KR" altLang="en-US"/>
                     </a:p>
@@ -4218,18 +4752,13 @@
                     <a:p>
                       <a:pPr latinLnBrk="1"/>
                       <a:r>
-                        <a:rPr lang="en-US" altLang="ko-KR" smtClean="0"/>
-                        <a:t>GID</a:t>
-                      </a:r>
-                      <a:r>
                         <a:rPr lang="ko-KR" altLang="en-US" smtClean="0"/>
-                        <a:t>에 해당하는 업적 목록과 총 유저수가 클리어한 비율</a:t>
+                        <a:t>친구목록</a:t>
                       </a:r>
                       <a:r>
                         <a:rPr lang="en-US" altLang="ko-KR" smtClean="0"/>
-                        <a:t>.</a:t>
+                        <a:t>…</a:t>
                       </a:r>
-                      <a:endParaRPr lang="ko-KR" altLang="en-US"/>
                     </a:p>
                   </a:txBody>
                   <a:tcPr/>
@@ -4239,10 +4768,487 @@
           </a:graphicData>
         </a:graphic>
       </p:graphicFrame>
+      <p:sp>
+        <p:nvSpPr>
+          <p:cNvPr id="4" name="직사각형 3"/>
+          <p:cNvSpPr/>
+          <p:nvPr/>
+        </p:nvSpPr>
+        <p:spPr>
+          <a:xfrm>
+            <a:off x="4427984" y="116632"/>
+            <a:ext cx="4572000" cy="646331"/>
+          </a:xfrm>
+          <a:prstGeom prst="rect">
+            <a:avLst/>
+          </a:prstGeom>
+        </p:spPr>
+        <p:txBody>
+          <a:bodyPr>
+            <a:spAutoFit/>
+          </a:bodyPr>
+          <a:lstStyle/>
+          <a:p>
+            <a:r>
+              <a:rPr lang="en-US" altLang="ko-KR" sz="1200">
+                <a:hlinkClick r:id="rId2"/>
+              </a:rPr>
+              <a:t>http://api.steampowered.com/ISteamUser/GetFriendList/v0001/?key=DE028A2732887BCDB1CCE803B9A1A24D&amp;steamid=76561198013979478&amp;relationship=all&amp;format=xml</a:t>
+            </a:r>
+            <a:endParaRPr lang="ko-KR" altLang="en-US" sz="1200"/>
+          </a:p>
+        </p:txBody>
+      </p:sp>
+      <p:pic>
+        <p:nvPicPr>
+          <p:cNvPr id="2050" name="Picture 2" descr="C:\Users\MarkHome\Pictures\Image_2014_02_22_14_55_50_001.png"/>
+          <p:cNvPicPr>
+            <a:picLocks noChangeAspect="1" noChangeArrowheads="1"/>
+          </p:cNvPicPr>
+          <p:nvPr/>
+        </p:nvPicPr>
+        <p:blipFill>
+          <a:blip r:embed="rId3">
+            <a:extLst>
+              <a:ext uri="{28A0092B-C50C-407E-A947-70E740481C1C}">
+                <a14:useLocalDpi xmlns:a14="http://schemas.microsoft.com/office/drawing/2010/main" val="0"/>
+              </a:ext>
+            </a:extLst>
+          </a:blip>
+          <a:srcRect/>
+          <a:stretch>
+            <a:fillRect/>
+          </a:stretch>
+        </p:blipFill>
+        <p:spPr bwMode="auto">
+          <a:xfrm>
+            <a:off x="683568" y="3501008"/>
+            <a:ext cx="4181175" cy="1368152"/>
+          </a:xfrm>
+          <a:prstGeom prst="rect">
+            <a:avLst/>
+          </a:prstGeom>
+          <a:noFill/>
+          <a:extLst>
+            <a:ext uri="{909E8E84-426E-40DD-AFC4-6F175D3DCCD1}">
+              <a14:hiddenFill xmlns:a14="http://schemas.microsoft.com/office/drawing/2010/main">
+                <a:solidFill>
+                  <a:srgbClr val="FFFFFF"/>
+                </a:solidFill>
+              </a14:hiddenFill>
+            </a:ext>
+          </a:extLst>
+        </p:spPr>
+      </p:pic>
+      <p:sp>
+        <p:nvSpPr>
+          <p:cNvPr id="7" name="TextBox 6"/>
+          <p:cNvSpPr txBox="1"/>
+          <p:nvPr/>
+        </p:nvSpPr>
+        <p:spPr>
+          <a:xfrm>
+            <a:off x="5031714" y="3501008"/>
+            <a:ext cx="3364540" cy="830997"/>
+          </a:xfrm>
+          <a:prstGeom prst="rect">
+            <a:avLst/>
+          </a:prstGeom>
+          <a:noFill/>
+        </p:spPr>
+        <p:txBody>
+          <a:bodyPr wrap="square" rtlCol="0">
+            <a:spAutoFit/>
+          </a:bodyPr>
+          <a:lstStyle/>
+          <a:p>
+            <a:pPr marL="228600" indent="-228600">
+              <a:buFont typeface="Arial" pitchFamily="34" charset="0"/>
+              <a:buChar char="•"/>
+            </a:pPr>
+            <a:r>
+              <a:rPr lang="en-US" altLang="ko-KR" sz="1200" smtClean="0"/>
+              <a:t>Stamid : </a:t>
+            </a:r>
+            <a:r>
+              <a:rPr lang="ko-KR" altLang="en-US" sz="1200" smtClean="0"/>
+              <a:t>아이디</a:t>
+            </a:r>
+            <a:endParaRPr lang="en-US" altLang="ko-KR" sz="1200" smtClean="0"/>
+          </a:p>
+          <a:p>
+            <a:pPr marL="228600" indent="-228600">
+              <a:buFont typeface="Arial" pitchFamily="34" charset="0"/>
+              <a:buChar char="•"/>
+            </a:pPr>
+            <a:r>
+              <a:rPr lang="en-US" altLang="ko-KR" sz="1200" smtClean="0"/>
+              <a:t>Relationship  : </a:t>
+            </a:r>
+            <a:r>
+              <a:rPr lang="ko-KR" altLang="en-US" sz="1200" smtClean="0"/>
+              <a:t>관계</a:t>
+            </a:r>
+            <a:endParaRPr lang="en-US" altLang="ko-KR" sz="1200" smtClean="0"/>
+          </a:p>
+          <a:p>
+            <a:pPr marL="228600" indent="-228600">
+              <a:buFont typeface="Arial" pitchFamily="34" charset="0"/>
+              <a:buChar char="•"/>
+            </a:pPr>
+            <a:r>
+              <a:rPr lang="en-US" altLang="ko-KR" sz="1200" smtClean="0"/>
+              <a:t>Friend_since : </a:t>
+            </a:r>
+            <a:r>
+              <a:rPr lang="ko-KR" altLang="en-US" sz="1200" smtClean="0"/>
+              <a:t>언제부터 친구였는지</a:t>
+            </a:r>
+            <a:r>
+              <a:rPr lang="en-US" altLang="ko-KR" sz="1200" smtClean="0"/>
+              <a:t> (unix time)</a:t>
+            </a:r>
+            <a:endParaRPr lang="ko-KR" altLang="en-US" sz="1200"/>
+          </a:p>
+        </p:txBody>
+      </p:sp>
     </p:spTree>
     <p:extLst>
       <p:ext uri="{BB962C8B-B14F-4D97-AF65-F5344CB8AC3E}">
-        <p14:creationId xmlns:p14="http://schemas.microsoft.com/office/powerpoint/2010/main" val="3795765754"/>
+        <p14:creationId xmlns:p14="http://schemas.microsoft.com/office/powerpoint/2010/main" val="4198397399"/>
+      </p:ext>
+    </p:extLst>
+  </p:cSld>
+  <p:clrMapOvr>
+    <a:masterClrMapping/>
+  </p:clrMapOvr>
+</p:sld>
+</file>
+
+<file path=ppt/slides/slide8.xml><?xml version="1.0" encoding="utf-8"?>
+<p:sld xmlns:a="http://schemas.openxmlformats.org/drawingml/2006/main" xmlns:r="http://schemas.openxmlformats.org/officeDocument/2006/relationships" xmlns:p="http://schemas.openxmlformats.org/presentationml/2006/main">
+  <p:cSld>
+    <p:spTree>
+      <p:nvGrpSpPr>
+        <p:cNvPr id="1" name=""/>
+        <p:cNvGrpSpPr/>
+        <p:nvPr/>
+      </p:nvGrpSpPr>
+      <p:grpSpPr>
+        <a:xfrm>
+          <a:off x="0" y="0"/>
+          <a:ext cx="0" cy="0"/>
+          <a:chOff x="0" y="0"/>
+          <a:chExt cx="0" cy="0"/>
+        </a:xfrm>
+      </p:grpSpPr>
+      <p:sp>
+        <p:nvSpPr>
+          <p:cNvPr id="2" name="제목 1"/>
+          <p:cNvSpPr>
+            <a:spLocks noGrp="1"/>
+          </p:cNvSpPr>
+          <p:nvPr>
+            <p:ph type="title"/>
+          </p:nvPr>
+        </p:nvSpPr>
+        <p:spPr/>
+        <p:txBody>
+          <a:bodyPr/>
+          <a:lstStyle/>
+          <a:p>
+            <a:r>
+              <a:rPr lang="en-US" altLang="ko-KR" smtClean="0"/>
+              <a:t>Api </a:t>
+            </a:r>
+            <a:r>
+              <a:rPr lang="en-US" altLang="ko-KR" smtClean="0"/>
+              <a:t>(4)</a:t>
+            </a:r>
+            <a:endParaRPr lang="ko-KR" altLang="en-US"/>
+          </a:p>
+        </p:txBody>
+      </p:sp>
+      <p:sp>
+        <p:nvSpPr>
+          <p:cNvPr id="3" name="내용 개체 틀 2"/>
+          <p:cNvSpPr>
+            <a:spLocks noGrp="1"/>
+          </p:cNvSpPr>
+          <p:nvPr>
+            <p:ph sz="quarter" idx="13"/>
+          </p:nvPr>
+        </p:nvSpPr>
+        <p:spPr/>
+        <p:txBody>
+          <a:bodyPr/>
+          <a:lstStyle/>
+          <a:p>
+            <a:pPr>
+              <a:buFontTx/>
+              <a:buChar char="-"/>
+            </a:pPr>
+            <a:r>
+              <a:rPr lang="en-US" altLang="ko-KR"/>
+              <a:t>GetOwnedGames</a:t>
+            </a:r>
+          </a:p>
+        </p:txBody>
+      </p:sp>
+      <p:graphicFrame>
+        <p:nvGraphicFramePr>
+          <p:cNvPr id="16" name="표 15"/>
+          <p:cNvGraphicFramePr>
+            <a:graphicFrameLocks noGrp="1"/>
+          </p:cNvGraphicFramePr>
+          <p:nvPr>
+            <p:extLst>
+              <p:ext uri="{D42A27DB-BD31-4B8C-83A1-F6EECF244321}">
+                <p14:modId xmlns:p14="http://schemas.microsoft.com/office/powerpoint/2010/main" val="2049626387"/>
+              </p:ext>
+            </p:extLst>
+          </p:nvPr>
+        </p:nvGraphicFramePr>
+        <p:xfrm>
+          <a:off x="683568" y="2204864"/>
+          <a:ext cx="7798129" cy="1285240"/>
+        </p:xfrm>
+        <a:graphic>
+          <a:graphicData uri="http://schemas.openxmlformats.org/drawingml/2006/table">
+            <a:tbl>
+              <a:tblPr firstCol="1" bandRow="1">
+                <a:tableStyleId>{F5AB1C69-6EDB-4FF4-983F-18BD219EF322}</a:tableStyleId>
+              </a:tblPr>
+              <a:tblGrid>
+                <a:gridCol w="1473826"/>
+                <a:gridCol w="6324303"/>
+              </a:tblGrid>
+              <a:tr h="370840">
+                <a:tc>
+                  <a:txBody>
+                    <a:bodyPr/>
+                    <a:lstStyle/>
+                    <a:p>
+                      <a:pPr latinLnBrk="1"/>
+                      <a:r>
+                        <a:rPr lang="en-US" altLang="ko-KR" smtClean="0"/>
+                        <a:t>Param</a:t>
+                      </a:r>
+                      <a:endParaRPr lang="ko-KR" altLang="en-US"/>
+                    </a:p>
+                  </a:txBody>
+                  <a:tcPr/>
+                </a:tc>
+                <a:tc>
+                  <a:txBody>
+                    <a:bodyPr/>
+                    <a:lstStyle/>
+                    <a:p>
+                      <a:pPr latinLnBrk="1"/>
+                      <a:r>
+                        <a:rPr lang="en-US" altLang="ko-KR" smtClean="0"/>
+                        <a:t>SID,</a:t>
+                      </a:r>
+                      <a:r>
+                        <a:rPr lang="en-US" altLang="ko-KR" baseline="0" smtClean="0"/>
+                        <a:t> AID(=all), include_played_free_games (=x)</a:t>
+                      </a:r>
+                      <a:endParaRPr lang="ko-KR" altLang="en-US"/>
+                    </a:p>
+                  </a:txBody>
+                  <a:tcPr/>
+                </a:tc>
+              </a:tr>
+              <a:tr h="370840">
+                <a:tc>
+                  <a:txBody>
+                    <a:bodyPr/>
+                    <a:lstStyle/>
+                    <a:p>
+                      <a:pPr latinLnBrk="1"/>
+                      <a:r>
+                        <a:rPr lang="en-US" altLang="ko-KR" smtClean="0"/>
+                        <a:t>return</a:t>
+                      </a:r>
+                      <a:endParaRPr lang="ko-KR" altLang="en-US"/>
+                    </a:p>
+                  </a:txBody>
+                  <a:tcPr/>
+                </a:tc>
+                <a:tc>
+                  <a:txBody>
+                    <a:bodyPr/>
+                    <a:lstStyle/>
+                    <a:p>
+                      <a:pPr latinLnBrk="1"/>
+                      <a:r>
+                        <a:rPr lang="ko-KR" altLang="en-US" smtClean="0"/>
+                        <a:t>가지고 있는 게임 개수</a:t>
+                      </a:r>
+                      <a:endParaRPr lang="en-US" altLang="ko-KR" smtClean="0"/>
+                    </a:p>
+                    <a:p>
+                      <a:pPr latinLnBrk="1"/>
+                      <a:r>
+                        <a:rPr lang="en-US" altLang="ko-KR" smtClean="0"/>
+                        <a:t>AID</a:t>
+                      </a:r>
+                    </a:p>
+                    <a:p>
+                      <a:pPr latinLnBrk="1"/>
+                      <a:r>
+                        <a:rPr lang="ko-KR" altLang="en-US" smtClean="0"/>
+                        <a:t>플레이타임</a:t>
+                      </a:r>
+                      <a:endParaRPr lang="en-US" altLang="ko-KR" smtClean="0"/>
+                    </a:p>
+                  </a:txBody>
+                  <a:tcPr/>
+                </a:tc>
+              </a:tr>
+            </a:tbl>
+          </a:graphicData>
+        </a:graphic>
+      </p:graphicFrame>
+      <p:sp>
+        <p:nvSpPr>
+          <p:cNvPr id="4" name="직사각형 3"/>
+          <p:cNvSpPr/>
+          <p:nvPr/>
+        </p:nvSpPr>
+        <p:spPr>
+          <a:xfrm>
+            <a:off x="4427984" y="116632"/>
+            <a:ext cx="4572000" cy="646331"/>
+          </a:xfrm>
+          <a:prstGeom prst="rect">
+            <a:avLst/>
+          </a:prstGeom>
+        </p:spPr>
+        <p:txBody>
+          <a:bodyPr>
+            <a:spAutoFit/>
+          </a:bodyPr>
+          <a:lstStyle/>
+          <a:p>
+            <a:r>
+              <a:rPr lang="en-US" altLang="ko-KR" sz="1200">
+                <a:hlinkClick r:id="rId2"/>
+              </a:rPr>
+              <a:t>http://api.steampowered.com/IPlayerService/GetOwnedGames/v0001/?key=DE028A2732887BCDB1CCE803B9A1A24D&amp;steamid=76561198013979478&amp;format=xml</a:t>
+            </a:r>
+            <a:endParaRPr lang="ko-KR" altLang="en-US" sz="1200"/>
+          </a:p>
+        </p:txBody>
+      </p:sp>
+      <p:sp>
+        <p:nvSpPr>
+          <p:cNvPr id="7" name="TextBox 6"/>
+          <p:cNvSpPr txBox="1"/>
+          <p:nvPr/>
+        </p:nvSpPr>
+        <p:spPr>
+          <a:xfrm>
+            <a:off x="5031714" y="3824173"/>
+            <a:ext cx="3364540" cy="646331"/>
+          </a:xfrm>
+          <a:prstGeom prst="rect">
+            <a:avLst/>
+          </a:prstGeom>
+          <a:noFill/>
+        </p:spPr>
+        <p:txBody>
+          <a:bodyPr wrap="square" rtlCol="0">
+            <a:spAutoFit/>
+          </a:bodyPr>
+          <a:lstStyle/>
+          <a:p>
+            <a:pPr marL="228600" indent="-228600">
+              <a:buFont typeface="Arial" pitchFamily="34" charset="0"/>
+              <a:buChar char="•"/>
+            </a:pPr>
+            <a:r>
+              <a:rPr lang="en-US" altLang="ko-KR" sz="1200" smtClean="0"/>
+              <a:t>Game_cound : </a:t>
+            </a:r>
+            <a:r>
+              <a:rPr lang="ko-KR" altLang="en-US" sz="1200" smtClean="0"/>
+              <a:t>게임 개수</a:t>
+            </a:r>
+            <a:endParaRPr lang="en-US" altLang="ko-KR" sz="1200" smtClean="0"/>
+          </a:p>
+          <a:p>
+            <a:pPr marL="228600" indent="-228600">
+              <a:buFont typeface="Arial" pitchFamily="34" charset="0"/>
+              <a:buChar char="•"/>
+            </a:pPr>
+            <a:r>
+              <a:rPr lang="en-US" altLang="ko-KR" sz="1200" smtClean="0"/>
+              <a:t>Appid : </a:t>
+            </a:r>
+          </a:p>
+          <a:p>
+            <a:pPr marL="228600" indent="-228600">
+              <a:buFont typeface="Arial" pitchFamily="34" charset="0"/>
+              <a:buChar char="•"/>
+            </a:pPr>
+            <a:r>
+              <a:rPr lang="en-US" altLang="ko-KR" sz="1200" smtClean="0"/>
+              <a:t>Playtime_forever : </a:t>
+            </a:r>
+            <a:r>
+              <a:rPr lang="ko-KR" altLang="en-US" sz="1200" smtClean="0"/>
+              <a:t>총 플레이타임</a:t>
+            </a:r>
+            <a:endParaRPr lang="ko-KR" altLang="en-US" sz="1200"/>
+          </a:p>
+        </p:txBody>
+      </p:sp>
+      <p:pic>
+        <p:nvPicPr>
+          <p:cNvPr id="3074" name="Picture 2" descr="C:\Users\MarkHome\Pictures\Image_2014_02_22_14_58_14_001.png"/>
+          <p:cNvPicPr>
+            <a:picLocks noChangeAspect="1" noChangeArrowheads="1"/>
+          </p:cNvPicPr>
+          <p:nvPr/>
+        </p:nvPicPr>
+        <p:blipFill>
+          <a:blip r:embed="rId3">
+            <a:extLst>
+              <a:ext uri="{28A0092B-C50C-407E-A947-70E740481C1C}">
+                <a14:useLocalDpi xmlns:a14="http://schemas.microsoft.com/office/drawing/2010/main" val="0"/>
+              </a:ext>
+            </a:extLst>
+          </a:blip>
+          <a:srcRect/>
+          <a:stretch>
+            <a:fillRect/>
+          </a:stretch>
+        </p:blipFill>
+        <p:spPr bwMode="auto">
+          <a:xfrm>
+            <a:off x="678756" y="3874720"/>
+            <a:ext cx="4294348" cy="2340034"/>
+          </a:xfrm>
+          <a:prstGeom prst="rect">
+            <a:avLst/>
+          </a:prstGeom>
+          <a:noFill/>
+          <a:extLst>
+            <a:ext uri="{909E8E84-426E-40DD-AFC4-6F175D3DCCD1}">
+              <a14:hiddenFill xmlns:a14="http://schemas.microsoft.com/office/drawing/2010/main">
+                <a:solidFill>
+                  <a:srgbClr val="FFFFFF"/>
+                </a:solidFill>
+              </a14:hiddenFill>
+            </a:ext>
+          </a:extLst>
+        </p:spPr>
+      </p:pic>
+    </p:spTree>
+    <p:extLst>
+      <p:ext uri="{BB962C8B-B14F-4D97-AF65-F5344CB8AC3E}">
+        <p14:creationId xmlns:p14="http://schemas.microsoft.com/office/powerpoint/2010/main" val="595519826"/>
       </p:ext>
     </p:extLst>
   </p:cSld>
